--- a/summary/Diagram.pptx
+++ b/summary/Diagram.pptx
@@ -197,7 +197,7 @@
           <a:p>
             <a:fld id="{A0F70100-BDFC-44FF-B164-208BFCF578D3}" type="datetimeFigureOut">
               <a:rPr lang="en-US" smtClean="0"/>
-              <a:t>7/11/2023</a:t>
+              <a:t>7/31/2023</a:t>
             </a:fld>
             <a:endParaRPr lang="en-US"/>
           </a:p>
@@ -698,7 +698,7 @@
           <a:p>
             <a:fld id="{441DD980-199B-497F-8B31-448FE04E238E}" type="datetimeFigureOut">
               <a:rPr lang="en-US" smtClean="0"/>
-              <a:t>7/11/2023</a:t>
+              <a:t>7/31/2023</a:t>
             </a:fld>
             <a:endParaRPr lang="en-US"/>
           </a:p>
@@ -896,7 +896,7 @@
           <a:p>
             <a:fld id="{441DD980-199B-497F-8B31-448FE04E238E}" type="datetimeFigureOut">
               <a:rPr lang="en-US" smtClean="0"/>
-              <a:t>7/11/2023</a:t>
+              <a:t>7/31/2023</a:t>
             </a:fld>
             <a:endParaRPr lang="en-US"/>
           </a:p>
@@ -1104,7 +1104,7 @@
           <a:p>
             <a:fld id="{441DD980-199B-497F-8B31-448FE04E238E}" type="datetimeFigureOut">
               <a:rPr lang="en-US" smtClean="0"/>
-              <a:t>7/11/2023</a:t>
+              <a:t>7/31/2023</a:t>
             </a:fld>
             <a:endParaRPr lang="en-US"/>
           </a:p>
@@ -1302,7 +1302,7 @@
           <a:p>
             <a:fld id="{441DD980-199B-497F-8B31-448FE04E238E}" type="datetimeFigureOut">
               <a:rPr lang="en-US" smtClean="0"/>
-              <a:t>7/11/2023</a:t>
+              <a:t>7/31/2023</a:t>
             </a:fld>
             <a:endParaRPr lang="en-US"/>
           </a:p>
@@ -1577,7 +1577,7 @@
           <a:p>
             <a:fld id="{441DD980-199B-497F-8B31-448FE04E238E}" type="datetimeFigureOut">
               <a:rPr lang="en-US" smtClean="0"/>
-              <a:t>7/11/2023</a:t>
+              <a:t>7/31/2023</a:t>
             </a:fld>
             <a:endParaRPr lang="en-US"/>
           </a:p>
@@ -1842,7 +1842,7 @@
           <a:p>
             <a:fld id="{441DD980-199B-497F-8B31-448FE04E238E}" type="datetimeFigureOut">
               <a:rPr lang="en-US" smtClean="0"/>
-              <a:t>7/11/2023</a:t>
+              <a:t>7/31/2023</a:t>
             </a:fld>
             <a:endParaRPr lang="en-US"/>
           </a:p>
@@ -2254,7 +2254,7 @@
           <a:p>
             <a:fld id="{441DD980-199B-497F-8B31-448FE04E238E}" type="datetimeFigureOut">
               <a:rPr lang="en-US" smtClean="0"/>
-              <a:t>7/11/2023</a:t>
+              <a:t>7/31/2023</a:t>
             </a:fld>
             <a:endParaRPr lang="en-US"/>
           </a:p>
@@ -2395,7 +2395,7 @@
           <a:p>
             <a:fld id="{441DD980-199B-497F-8B31-448FE04E238E}" type="datetimeFigureOut">
               <a:rPr lang="en-US" smtClean="0"/>
-              <a:t>7/11/2023</a:t>
+              <a:t>7/31/2023</a:t>
             </a:fld>
             <a:endParaRPr lang="en-US"/>
           </a:p>
@@ -2508,7 +2508,7 @@
           <a:p>
             <a:fld id="{441DD980-199B-497F-8B31-448FE04E238E}" type="datetimeFigureOut">
               <a:rPr lang="en-US" smtClean="0"/>
-              <a:t>7/11/2023</a:t>
+              <a:t>7/31/2023</a:t>
             </a:fld>
             <a:endParaRPr lang="en-US"/>
           </a:p>
@@ -2819,7 +2819,7 @@
           <a:p>
             <a:fld id="{441DD980-199B-497F-8B31-448FE04E238E}" type="datetimeFigureOut">
               <a:rPr lang="en-US" smtClean="0"/>
-              <a:t>7/11/2023</a:t>
+              <a:t>7/31/2023</a:t>
             </a:fld>
             <a:endParaRPr lang="en-US"/>
           </a:p>
@@ -3107,7 +3107,7 @@
           <a:p>
             <a:fld id="{441DD980-199B-497F-8B31-448FE04E238E}" type="datetimeFigureOut">
               <a:rPr lang="en-US" smtClean="0"/>
-              <a:t>7/11/2023</a:t>
+              <a:t>7/31/2023</a:t>
             </a:fld>
             <a:endParaRPr lang="en-US"/>
           </a:p>
@@ -3348,7 +3348,7 @@
           <a:p>
             <a:fld id="{441DD980-199B-497F-8B31-448FE04E238E}" type="datetimeFigureOut">
               <a:rPr lang="en-US" smtClean="0"/>
-              <a:t>7/11/2023</a:t>
+              <a:t>7/31/2023</a:t>
             </a:fld>
             <a:endParaRPr lang="en-US"/>
           </a:p>
@@ -3779,8 +3779,8 @@
         </p:nvSpPr>
         <p:spPr>
           <a:xfrm>
-            <a:off x="3070987" y="1263167"/>
-            <a:ext cx="2063676" cy="1062681"/>
+            <a:off x="2822403" y="1272045"/>
+            <a:ext cx="1803134" cy="1062681"/>
           </a:xfrm>
           <a:prstGeom prst="roundRect">
             <a:avLst/>
@@ -3817,18 +3817,11 @@
           <a:p>
             <a:pPr algn="ctr"/>
             <a:r>
-              <a:rPr lang="en-US" sz="1400" dirty="0" err="1">
-                <a:latin typeface="Times New Roman" panose="02020603050405020304" pitchFamily="18" charset="0"/>
-                <a:cs typeface="Times New Roman" panose="02020603050405020304" pitchFamily="18" charset="0"/>
-              </a:rPr>
-              <a:t>ConvLSTM</a:t>
-            </a:r>
-            <a:r>
               <a:rPr lang="en-US" sz="1400" dirty="0">
                 <a:latin typeface="Times New Roman" panose="02020603050405020304" pitchFamily="18" charset="0"/>
                 <a:cs typeface="Times New Roman" panose="02020603050405020304" pitchFamily="18" charset="0"/>
               </a:rPr>
-              <a:t> Autoencoder</a:t>
+              <a:t>ConvLSTM Autoencoder</a:t>
             </a:r>
           </a:p>
         </p:txBody>
@@ -3847,8 +3840,8 @@
         </p:nvSpPr>
         <p:spPr>
           <a:xfrm>
-            <a:off x="3070986" y="3666556"/>
-            <a:ext cx="2063676" cy="1062681"/>
+            <a:off x="2822402" y="3675434"/>
+            <a:ext cx="1803134" cy="1062681"/>
           </a:xfrm>
           <a:prstGeom prst="roundRect">
             <a:avLst/>
@@ -3889,18 +3882,11 @@
           <a:p>
             <a:pPr algn="ctr"/>
             <a:r>
-              <a:rPr lang="en-US" sz="1400" dirty="0" err="1">
-                <a:latin typeface="Times New Roman" panose="02020603050405020304" pitchFamily="18" charset="0"/>
-                <a:cs typeface="Times New Roman" panose="02020603050405020304" pitchFamily="18" charset="0"/>
-              </a:rPr>
-              <a:t>DeepSpeech</a:t>
-            </a:r>
-            <a:r>
               <a:rPr lang="en-US" sz="1400" dirty="0">
                 <a:latin typeface="Times New Roman" panose="02020603050405020304" pitchFamily="18" charset="0"/>
                 <a:cs typeface="Times New Roman" panose="02020603050405020304" pitchFamily="18" charset="0"/>
               </a:rPr>
-              <a:t>/Whisper </a:t>
+              <a:t>Whisper </a:t>
             </a:r>
           </a:p>
         </p:txBody>
@@ -3919,8 +3905,8 @@
         </p:nvSpPr>
         <p:spPr>
           <a:xfrm>
-            <a:off x="2501190" y="1576025"/>
-            <a:ext cx="466584" cy="403259"/>
+            <a:off x="2430166" y="1499979"/>
+            <a:ext cx="339664" cy="479305"/>
           </a:xfrm>
           <a:prstGeom prst="rightArrow">
             <a:avLst/>
@@ -3972,8 +3958,8 @@
         </p:nvSpPr>
         <p:spPr>
           <a:xfrm>
-            <a:off x="2501190" y="4023119"/>
-            <a:ext cx="466584" cy="403259"/>
+            <a:off x="2430166" y="3947073"/>
+            <a:ext cx="339664" cy="479305"/>
           </a:xfrm>
           <a:prstGeom prst="rightArrow">
             <a:avLst/>
@@ -4025,8 +4011,8 @@
         </p:nvSpPr>
         <p:spPr>
           <a:xfrm>
-            <a:off x="5218539" y="1576025"/>
-            <a:ext cx="466584" cy="403259"/>
+            <a:off x="4712501" y="1499979"/>
+            <a:ext cx="339664" cy="479305"/>
           </a:xfrm>
           <a:prstGeom prst="rightArrow">
             <a:avLst/>
@@ -4078,8 +4064,8 @@
         </p:nvSpPr>
         <p:spPr>
           <a:xfrm>
-            <a:off x="5218539" y="4023119"/>
-            <a:ext cx="466584" cy="403259"/>
+            <a:off x="4712501" y="3947073"/>
+            <a:ext cx="339664" cy="479305"/>
           </a:xfrm>
           <a:prstGeom prst="rightArrow">
             <a:avLst/>
@@ -4131,7 +4117,7 @@
         </p:nvSpPr>
         <p:spPr>
           <a:xfrm>
-            <a:off x="5771145" y="739152"/>
+            <a:off x="5131943" y="739152"/>
             <a:ext cx="466584" cy="2065866"/>
           </a:xfrm>
           <a:prstGeom prst="roundRect">
@@ -4183,7 +4169,7 @@
         </p:nvSpPr>
         <p:spPr>
           <a:xfrm>
-            <a:off x="5771145" y="3194712"/>
+            <a:off x="5131943" y="3194712"/>
             <a:ext cx="466584" cy="2065866"/>
           </a:xfrm>
           <a:prstGeom prst="roundRect">
@@ -4235,7 +4221,7 @@
         </p:nvSpPr>
         <p:spPr>
           <a:xfrm>
-            <a:off x="6927221" y="1972920"/>
+            <a:off x="8796485" y="1814818"/>
             <a:ext cx="550944" cy="2065866"/>
           </a:xfrm>
           <a:prstGeom prst="roundRect">
@@ -4287,7 +4273,7 @@
         </p:nvSpPr>
         <p:spPr>
           <a:xfrm rot="16200000">
-            <a:off x="5036743" y="1625231"/>
+            <a:off x="4397541" y="1625231"/>
             <a:ext cx="1897219" cy="338554"/>
           </a:xfrm>
           <a:prstGeom prst="rect">
@@ -4334,7 +4320,7 @@
         </p:nvSpPr>
         <p:spPr>
           <a:xfrm rot="16200000">
-            <a:off x="5007149" y="4058368"/>
+            <a:off x="4367947" y="4058368"/>
             <a:ext cx="1984728" cy="338554"/>
           </a:xfrm>
           <a:prstGeom prst="rect">
@@ -4401,7 +4387,7 @@
         </p:nvSpPr>
         <p:spPr>
           <a:xfrm rot="16200000">
-            <a:off x="6216468" y="2877145"/>
+            <a:off x="8085732" y="2719043"/>
             <a:ext cx="1984728" cy="338554"/>
           </a:xfrm>
           <a:prstGeom prst="rect">
@@ -4448,7 +4434,7 @@
         </p:nvSpPr>
         <p:spPr>
           <a:xfrm>
-            <a:off x="6350653" y="2180695"/>
+            <a:off x="8255879" y="2047087"/>
             <a:ext cx="492209" cy="1696824"/>
           </a:xfrm>
           <a:prstGeom prst="chevron">
@@ -4511,7 +4497,7 @@
         </p:nvSpPr>
         <p:spPr>
           <a:xfrm rot="16200000">
-            <a:off x="5849710" y="2946671"/>
+            <a:off x="7754936" y="2813063"/>
             <a:ext cx="1509870" cy="338554"/>
           </a:xfrm>
           <a:prstGeom prst="rect">
@@ -4558,8 +4544,8 @@
         </p:nvSpPr>
         <p:spPr>
           <a:xfrm>
-            <a:off x="8122412" y="2218391"/>
-            <a:ext cx="2224725" cy="1463832"/>
+            <a:off x="6091847" y="1012057"/>
+            <a:ext cx="2088931" cy="1369290"/>
           </a:xfrm>
           <a:prstGeom prst="roundRect">
             <a:avLst/>
@@ -4610,8 +4596,8 @@
         </p:nvSpPr>
         <p:spPr>
           <a:xfrm>
-            <a:off x="8038052" y="2322091"/>
-            <a:ext cx="2393443" cy="1231106"/>
+            <a:off x="6043000" y="1114729"/>
+            <a:ext cx="2088932" cy="1231106"/>
           </a:xfrm>
           <a:prstGeom prst="rect">
             <a:avLst/>
@@ -4634,7 +4620,29 @@
                 <a:latin typeface="Times New Roman" panose="02020603050405020304" pitchFamily="18" charset="0"/>
                 <a:ea typeface="Times New Roman" panose="02020603050405020304" pitchFamily="18" charset="0"/>
               </a:rPr>
-              <a:t>Transformer-Based Regression</a:t>
+              <a:t>Transformer Model for V</a:t>
+            </a:r>
+            <a:r>
+              <a:rPr lang="en-US" altLang="zh-CN" sz="1600" b="1" dirty="0">
+                <a:solidFill>
+                  <a:srgbClr val="000000"/>
+                </a:solidFill>
+                <a:effectLst/>
+                <a:latin typeface="Times New Roman" panose="02020603050405020304" pitchFamily="18" charset="0"/>
+                <a:ea typeface="Times New Roman" panose="02020603050405020304" pitchFamily="18" charset="0"/>
+              </a:rPr>
+              <a:t>ideo </a:t>
+            </a:r>
+            <a:r>
+              <a:rPr lang="en-US" sz="1600" b="1" dirty="0">
+                <a:solidFill>
+                  <a:srgbClr val="000000"/>
+                </a:solidFill>
+                <a:effectLst/>
+                <a:latin typeface="Times New Roman" panose="02020603050405020304" pitchFamily="18" charset="0"/>
+                <a:ea typeface="Times New Roman" panose="02020603050405020304" pitchFamily="18" charset="0"/>
+              </a:rPr>
+              <a:t>Embedding</a:t>
             </a:r>
           </a:p>
           <a:p>
@@ -4648,7 +4656,43 @@
                 <a:latin typeface="Times New Roman" panose="02020603050405020304" pitchFamily="18" charset="0"/>
                 <a:ea typeface="Times New Roman" panose="02020603050405020304" pitchFamily="18" charset="0"/>
               </a:rPr>
-              <a:t>Semantic &amp; non-linear relationships between input features and success metrics</a:t>
+              <a:t>Capture complex patterns</a:t>
+            </a:r>
+          </a:p>
+          <a:p>
+            <a:pPr algn="ctr"/>
+            <a:r>
+              <a:rPr lang="en-US" sz="1400" dirty="0">
+                <a:solidFill>
+                  <a:srgbClr val="000000"/>
+                </a:solidFill>
+                <a:effectLst/>
+                <a:latin typeface="Times New Roman" panose="02020603050405020304" pitchFamily="18" charset="0"/>
+                <a:ea typeface="Times New Roman" panose="02020603050405020304" pitchFamily="18" charset="0"/>
+              </a:rPr>
+              <a:t>and relationships within the </a:t>
+            </a:r>
+            <a:r>
+              <a:rPr lang="en-US" altLang="zh-CN" sz="1400" dirty="0">
+                <a:solidFill>
+                  <a:srgbClr val="000000"/>
+                </a:solidFill>
+                <a:effectLst/>
+                <a:latin typeface="Times New Roman" panose="02020603050405020304" pitchFamily="18" charset="0"/>
+                <a:ea typeface="Times New Roman" panose="02020603050405020304" pitchFamily="18" charset="0"/>
+              </a:rPr>
+              <a:t>visual </a:t>
+            </a:r>
+            <a:r>
+              <a:rPr lang="en-US" sz="1400" dirty="0">
+                <a:solidFill>
+                  <a:srgbClr val="000000"/>
+                </a:solidFill>
+                <a:effectLst/>
+                <a:latin typeface="Times New Roman" panose="02020603050405020304" pitchFamily="18" charset="0"/>
+                <a:ea typeface="Times New Roman" panose="02020603050405020304" pitchFamily="18" charset="0"/>
+              </a:rPr>
+              <a:t>data</a:t>
             </a:r>
             <a:endParaRPr lang="en-US" sz="1400" dirty="0">
               <a:latin typeface="Times New Roman" panose="02020603050405020304" pitchFamily="18" charset="0"/>
@@ -4671,8 +4715,8 @@
         </p:nvSpPr>
         <p:spPr>
           <a:xfrm>
-            <a:off x="7562041" y="2820683"/>
-            <a:ext cx="466584" cy="389467"/>
+            <a:off x="5682403" y="1504365"/>
+            <a:ext cx="339664" cy="462912"/>
           </a:xfrm>
           <a:prstGeom prst="rightArrow">
             <a:avLst/>
@@ -4724,7 +4768,7 @@
         </p:nvSpPr>
         <p:spPr>
           <a:xfrm>
-            <a:off x="1579688" y="1418718"/>
+            <a:off x="1535298" y="1418718"/>
             <a:ext cx="815822" cy="800342"/>
           </a:xfrm>
           <a:prstGeom prst="roundRect">
@@ -4779,7 +4823,7 @@
         </p:nvSpPr>
         <p:spPr>
           <a:xfrm>
-            <a:off x="1579687" y="3822107"/>
+            <a:off x="1535297" y="3822107"/>
             <a:ext cx="815822" cy="800342"/>
           </a:xfrm>
           <a:prstGeom prst="roundRect">
@@ -4838,7 +4882,7 @@
         </p:nvSpPr>
         <p:spPr>
           <a:xfrm>
-            <a:off x="205742" y="2612991"/>
+            <a:off x="214620" y="2612991"/>
             <a:ext cx="765198" cy="800342"/>
           </a:xfrm>
           <a:prstGeom prst="roundRect">
@@ -4899,7 +4943,7 @@
         </p:nvSpPr>
         <p:spPr>
           <a:xfrm rot="10800000">
-            <a:off x="1083274" y="2047087"/>
+            <a:off x="1056640" y="2047087"/>
             <a:ext cx="415211" cy="1899986"/>
           </a:xfrm>
           <a:prstGeom prst="chevron">
@@ -4962,8 +5006,8 @@
         </p:nvSpPr>
         <p:spPr>
           <a:xfrm>
-            <a:off x="10440922" y="2820683"/>
-            <a:ext cx="466584" cy="389467"/>
+            <a:off x="9424990" y="2627320"/>
+            <a:ext cx="339664" cy="462912"/>
           </a:xfrm>
           <a:prstGeom prst="rightArrow">
             <a:avLst/>
@@ -5015,8 +5059,8 @@
         </p:nvSpPr>
         <p:spPr>
           <a:xfrm>
-            <a:off x="10991382" y="2693239"/>
-            <a:ext cx="894974" cy="625228"/>
+            <a:off x="11025901" y="2531833"/>
+            <a:ext cx="889911" cy="625228"/>
           </a:xfrm>
           <a:prstGeom prst="roundRect">
             <a:avLst/>
@@ -5096,6 +5140,335 @@
               </a:rPr>
               <a:t>Figure - Illustration of the model</a:t>
             </a:r>
+          </a:p>
+        </p:txBody>
+      </p:sp>
+      <p:sp>
+        <p:nvSpPr>
+          <p:cNvPr id="22" name="Arrow: Right 21">
+            <a:extLst>
+              <a:ext uri="{FF2B5EF4-FFF2-40B4-BE49-F238E27FC236}">
+                <a16:creationId xmlns:a16="http://schemas.microsoft.com/office/drawing/2014/main" id="{598F9C43-A7D7-8CB3-7607-D13CC42731AD}"/>
+              </a:ext>
+            </a:extLst>
+          </p:cNvPr>
+          <p:cNvSpPr/>
+          <p:nvPr/>
+        </p:nvSpPr>
+        <p:spPr>
+          <a:xfrm>
+            <a:off x="5674639" y="4005912"/>
+            <a:ext cx="339664" cy="462912"/>
+          </a:xfrm>
+          <a:prstGeom prst="rightArrow">
+            <a:avLst/>
+          </a:prstGeom>
+          <a:noFill/>
+          <a:ln w="38100">
+            <a:solidFill>
+              <a:srgbClr val="0070C0"/>
+            </a:solidFill>
+            <a:prstDash val="sysDash"/>
+          </a:ln>
+        </p:spPr>
+        <p:style>
+          <a:lnRef idx="2">
+            <a:schemeClr val="accent1">
+              <a:shade val="50000"/>
+            </a:schemeClr>
+          </a:lnRef>
+          <a:fillRef idx="1">
+            <a:schemeClr val="accent1"/>
+          </a:fillRef>
+          <a:effectRef idx="0">
+            <a:schemeClr val="accent1"/>
+          </a:effectRef>
+          <a:fontRef idx="minor">
+            <a:schemeClr val="lt1"/>
+          </a:fontRef>
+        </p:style>
+        <p:txBody>
+          <a:bodyPr rtlCol="0" anchor="ctr"/>
+          <a:lstStyle/>
+          <a:p>
+            <a:pPr algn="ctr"/>
+            <a:endParaRPr lang="en-US"/>
+          </a:p>
+        </p:txBody>
+      </p:sp>
+      <p:sp>
+        <p:nvSpPr>
+          <p:cNvPr id="23" name="Rectangle: Rounded Corners 22">
+            <a:extLst>
+              <a:ext uri="{FF2B5EF4-FFF2-40B4-BE49-F238E27FC236}">
+                <a16:creationId xmlns:a16="http://schemas.microsoft.com/office/drawing/2014/main" id="{AFCDEB68-18F5-2B24-CA76-5DD2E68AD7C5}"/>
+              </a:ext>
+            </a:extLst>
+          </p:cNvPr>
+          <p:cNvSpPr/>
+          <p:nvPr/>
+        </p:nvSpPr>
+        <p:spPr>
+          <a:xfrm>
+            <a:off x="6101921" y="3605676"/>
+            <a:ext cx="2088931" cy="1369290"/>
+          </a:xfrm>
+          <a:prstGeom prst="roundRect">
+            <a:avLst/>
+          </a:prstGeom>
+          <a:noFill/>
+          <a:ln w="57150">
+            <a:solidFill>
+              <a:srgbClr val="00B0F0"/>
+            </a:solidFill>
+          </a:ln>
+        </p:spPr>
+        <p:style>
+          <a:lnRef idx="2">
+            <a:schemeClr val="accent1">
+              <a:shade val="50000"/>
+            </a:schemeClr>
+          </a:lnRef>
+          <a:fillRef idx="1">
+            <a:schemeClr val="accent1"/>
+          </a:fillRef>
+          <a:effectRef idx="0">
+            <a:schemeClr val="accent1"/>
+          </a:effectRef>
+          <a:fontRef idx="minor">
+            <a:schemeClr val="lt1"/>
+          </a:fontRef>
+        </p:style>
+        <p:txBody>
+          <a:bodyPr rtlCol="0" anchor="ctr"/>
+          <a:lstStyle/>
+          <a:p>
+            <a:pPr algn="ctr"/>
+            <a:endParaRPr lang="en-US"/>
+          </a:p>
+        </p:txBody>
+      </p:sp>
+      <p:sp>
+        <p:nvSpPr>
+          <p:cNvPr id="31" name="TextBox 30">
+            <a:extLst>
+              <a:ext uri="{FF2B5EF4-FFF2-40B4-BE49-F238E27FC236}">
+                <a16:creationId xmlns:a16="http://schemas.microsoft.com/office/drawing/2014/main" id="{6C45D0C4-A8DD-6328-EE2F-5977A6F6EA62}"/>
+              </a:ext>
+            </a:extLst>
+          </p:cNvPr>
+          <p:cNvSpPr txBox="1"/>
+          <p:nvPr/>
+        </p:nvSpPr>
+        <p:spPr>
+          <a:xfrm>
+            <a:off x="6053074" y="3708348"/>
+            <a:ext cx="2088932" cy="1231106"/>
+          </a:xfrm>
+          <a:prstGeom prst="rect">
+            <a:avLst/>
+          </a:prstGeom>
+          <a:noFill/>
+        </p:spPr>
+        <p:txBody>
+          <a:bodyPr wrap="square">
+            <a:spAutoFit/>
+          </a:bodyPr>
+          <a:lstStyle/>
+          <a:p>
+            <a:pPr algn="ctr"/>
+            <a:r>
+              <a:rPr lang="en-US" sz="1600" b="1" dirty="0">
+                <a:solidFill>
+                  <a:srgbClr val="000000"/>
+                </a:solidFill>
+                <a:effectLst/>
+                <a:latin typeface="Times New Roman" panose="02020603050405020304" pitchFamily="18" charset="0"/>
+                <a:ea typeface="Times New Roman" panose="02020603050405020304" pitchFamily="18" charset="0"/>
+              </a:rPr>
+              <a:t>Transformer Model for Audio</a:t>
+            </a:r>
+            <a:r>
+              <a:rPr lang="en-US" altLang="zh-CN" sz="1600" b="1" dirty="0">
+                <a:solidFill>
+                  <a:srgbClr val="000000"/>
+                </a:solidFill>
+                <a:effectLst/>
+                <a:latin typeface="Times New Roman" panose="02020603050405020304" pitchFamily="18" charset="0"/>
+                <a:ea typeface="Times New Roman" panose="02020603050405020304" pitchFamily="18" charset="0"/>
+              </a:rPr>
+              <a:t> </a:t>
+            </a:r>
+            <a:r>
+              <a:rPr lang="en-US" sz="1600" b="1" dirty="0">
+                <a:solidFill>
+                  <a:srgbClr val="000000"/>
+                </a:solidFill>
+                <a:effectLst/>
+                <a:latin typeface="Times New Roman" panose="02020603050405020304" pitchFamily="18" charset="0"/>
+                <a:ea typeface="Times New Roman" panose="02020603050405020304" pitchFamily="18" charset="0"/>
+              </a:rPr>
+              <a:t>Embedding</a:t>
+            </a:r>
+          </a:p>
+          <a:p>
+            <a:pPr algn="ctr"/>
+            <a:r>
+              <a:rPr lang="en-US" sz="1400" dirty="0">
+                <a:solidFill>
+                  <a:srgbClr val="000000"/>
+                </a:solidFill>
+                <a:effectLst/>
+                <a:latin typeface="Times New Roman" panose="02020603050405020304" pitchFamily="18" charset="0"/>
+                <a:ea typeface="Times New Roman" panose="02020603050405020304" pitchFamily="18" charset="0"/>
+              </a:rPr>
+              <a:t>Capture complex patterns</a:t>
+            </a:r>
+          </a:p>
+          <a:p>
+            <a:pPr algn="ctr"/>
+            <a:r>
+              <a:rPr lang="en-US" sz="1400" dirty="0">
+                <a:solidFill>
+                  <a:srgbClr val="000000"/>
+                </a:solidFill>
+                <a:effectLst/>
+                <a:latin typeface="Times New Roman" panose="02020603050405020304" pitchFamily="18" charset="0"/>
+                <a:ea typeface="Times New Roman" panose="02020603050405020304" pitchFamily="18" charset="0"/>
+              </a:rPr>
+              <a:t>and relationships within </a:t>
+            </a:r>
+            <a:r>
+              <a:rPr lang="en-US" sz="1400">
+                <a:solidFill>
+                  <a:srgbClr val="000000"/>
+                </a:solidFill>
+                <a:effectLst/>
+                <a:latin typeface="Times New Roman" panose="02020603050405020304" pitchFamily="18" charset="0"/>
+                <a:ea typeface="Times New Roman" panose="02020603050405020304" pitchFamily="18" charset="0"/>
+              </a:rPr>
+              <a:t>the audio data</a:t>
+            </a:r>
+            <a:endParaRPr lang="en-US" sz="1400" dirty="0">
+              <a:latin typeface="Times New Roman" panose="02020603050405020304" pitchFamily="18" charset="0"/>
+              <a:cs typeface="Times New Roman" panose="02020603050405020304" pitchFamily="18" charset="0"/>
+            </a:endParaRPr>
+          </a:p>
+        </p:txBody>
+      </p:sp>
+      <p:sp>
+        <p:nvSpPr>
+          <p:cNvPr id="32" name="Rectangle: Rounded Corners 31">
+            <a:extLst>
+              <a:ext uri="{FF2B5EF4-FFF2-40B4-BE49-F238E27FC236}">
+                <a16:creationId xmlns:a16="http://schemas.microsoft.com/office/drawing/2014/main" id="{2A64F3EE-A49A-FBBD-20D6-C724EC5C8A84}"/>
+              </a:ext>
+            </a:extLst>
+          </p:cNvPr>
+          <p:cNvSpPr/>
+          <p:nvPr/>
+        </p:nvSpPr>
+        <p:spPr>
+          <a:xfrm>
+            <a:off x="9824460" y="2664043"/>
+            <a:ext cx="725575" cy="389467"/>
+          </a:xfrm>
+          <a:prstGeom prst="roundRect">
+            <a:avLst/>
+          </a:prstGeom>
+          <a:noFill/>
+          <a:ln w="57150">
+            <a:solidFill>
+              <a:schemeClr val="accent6">
+                <a:lumMod val="40000"/>
+                <a:lumOff val="60000"/>
+              </a:schemeClr>
+            </a:solidFill>
+          </a:ln>
+        </p:spPr>
+        <p:style>
+          <a:lnRef idx="2">
+            <a:schemeClr val="accent4"/>
+          </a:lnRef>
+          <a:fillRef idx="1">
+            <a:schemeClr val="lt1"/>
+          </a:fillRef>
+          <a:effectRef idx="0">
+            <a:schemeClr val="accent4"/>
+          </a:effectRef>
+          <a:fontRef idx="minor">
+            <a:schemeClr val="dk1"/>
+          </a:fontRef>
+        </p:style>
+        <p:txBody>
+          <a:bodyPr rtlCol="0" anchor="ctr"/>
+          <a:lstStyle/>
+          <a:p>
+            <a:pPr algn="ctr"/>
+            <a:r>
+              <a:rPr lang="en-US" sz="1600" b="1" dirty="0">
+                <a:latin typeface="Times New Roman" panose="02020603050405020304" pitchFamily="18" charset="0"/>
+                <a:cs typeface="Times New Roman" panose="02020603050405020304" pitchFamily="18" charset="0"/>
+              </a:rPr>
+              <a:t>MLP</a:t>
+            </a:r>
+            <a:endParaRPr lang="en-US" sz="1600" dirty="0">
+              <a:latin typeface="Times New Roman" panose="02020603050405020304" pitchFamily="18" charset="0"/>
+              <a:cs typeface="Times New Roman" panose="02020603050405020304" pitchFamily="18" charset="0"/>
+            </a:endParaRPr>
+          </a:p>
+        </p:txBody>
+      </p:sp>
+      <p:sp>
+        <p:nvSpPr>
+          <p:cNvPr id="33" name="Arrow: Right 32">
+            <a:extLst>
+              <a:ext uri="{FF2B5EF4-FFF2-40B4-BE49-F238E27FC236}">
+                <a16:creationId xmlns:a16="http://schemas.microsoft.com/office/drawing/2014/main" id="{2B12C64F-53B3-22A7-E385-B1A9D90A1683}"/>
+              </a:ext>
+            </a:extLst>
+          </p:cNvPr>
+          <p:cNvSpPr/>
+          <p:nvPr/>
+        </p:nvSpPr>
+        <p:spPr>
+          <a:xfrm>
+            <a:off x="10618136" y="2612991"/>
+            <a:ext cx="339664" cy="462912"/>
+          </a:xfrm>
+          <a:prstGeom prst="rightArrow">
+            <a:avLst/>
+          </a:prstGeom>
+          <a:noFill/>
+          <a:ln w="38100">
+            <a:solidFill>
+              <a:srgbClr val="00B0F0"/>
+            </a:solidFill>
+            <a:prstDash val="sysDash"/>
+          </a:ln>
+        </p:spPr>
+        <p:style>
+          <a:lnRef idx="2">
+            <a:schemeClr val="accent1">
+              <a:shade val="50000"/>
+            </a:schemeClr>
+          </a:lnRef>
+          <a:fillRef idx="1">
+            <a:schemeClr val="accent1"/>
+          </a:fillRef>
+          <a:effectRef idx="0">
+            <a:schemeClr val="accent1"/>
+          </a:effectRef>
+          <a:fontRef idx="minor">
+            <a:schemeClr val="lt1"/>
+          </a:fontRef>
+        </p:style>
+        <p:txBody>
+          <a:bodyPr rtlCol="0" anchor="ctr"/>
+          <a:lstStyle/>
+          <a:p>
+            <a:pPr algn="ctr"/>
+            <a:endParaRPr lang="en-US"/>
           </a:p>
         </p:txBody>
       </p:sp>
